--- a/200.pptx
+++ b/200.pptx
@@ -7,21 +7,9 @@
   <p:sldIdLst>
     <p:sldId id="256" r:id="rId2"/>
     <p:sldId id="271" r:id="rId3"/>
-    <p:sldId id="272" r:id="rId4"/>
-    <p:sldId id="257" r:id="rId5"/>
-    <p:sldId id="258" r:id="rId6"/>
-    <p:sldId id="259" r:id="rId7"/>
-    <p:sldId id="260" r:id="rId8"/>
-    <p:sldId id="261" r:id="rId9"/>
-    <p:sldId id="264" r:id="rId10"/>
-    <p:sldId id="263" r:id="rId11"/>
-    <p:sldId id="262" r:id="rId12"/>
-    <p:sldId id="265" r:id="rId13"/>
-    <p:sldId id="266" r:id="rId14"/>
-    <p:sldId id="267" r:id="rId15"/>
-    <p:sldId id="268" r:id="rId16"/>
-    <p:sldId id="269" r:id="rId17"/>
-    <p:sldId id="270" r:id="rId18"/>
+    <p:sldId id="257" r:id="rId4"/>
+    <p:sldId id="272" r:id="rId5"/>
+    <p:sldId id="270" r:id="rId6"/>
   </p:sldIdLst>
   <p:sldSz cx="12192000" cy="6858000"/>
   <p:notesSz cx="6858000" cy="9144000"/>
@@ -128,6 +116,10 @@
 </p:presentation>
 </file>
 
+<file path=ppt/revisionInfo.xml><?xml version="1.0" encoding="utf-8"?>
+<p1510:revInfo xmlns:a="http://schemas.openxmlformats.org/drawingml/2006/main" xmlns:r="http://schemas.openxmlformats.org/officeDocument/2006/relationships" xmlns:p1510="http://schemas.microsoft.com/office/powerpoint/2015/10/main"/>
+</file>
+
 <file path=ppt/slideLayouts/slideLayout1.xml><?xml version="1.0" encoding="utf-8"?>
 <p:sldLayout xmlns:a="http://schemas.openxmlformats.org/drawingml/2006/main" xmlns:r="http://schemas.openxmlformats.org/officeDocument/2006/relationships" xmlns:p="http://schemas.openxmlformats.org/presentationml/2006/main" type="title" preserve="1">
   <p:cSld name="Title Slide">
@@ -317,7 +309,7 @@
             <a:fld id="{B61BEF0D-F0BB-DE4B-95CE-6DB70DBA9567}" type="datetimeFigureOut">
               <a:rPr lang="en-US" dirty="0"/>
               <a:pPr/>
-              <a:t>5/6/2016</a:t>
+              <a:t>7/15/2017</a:t>
             </a:fld>
             <a:endParaRPr lang="en-US" dirty="0"/>
           </a:p>
@@ -652,7 +644,7 @@
             <a:fld id="{B61BEF0D-F0BB-DE4B-95CE-6DB70DBA9567}" type="datetimeFigureOut">
               <a:rPr lang="en-US" dirty="0"/>
               <a:pPr/>
-              <a:t>5/6/2016</a:t>
+              <a:t>7/15/2017</a:t>
             </a:fld>
             <a:endParaRPr lang="en-US" dirty="0"/>
           </a:p>
@@ -1050,7 +1042,7 @@
             <a:fld id="{B61BEF0D-F0BB-DE4B-95CE-6DB70DBA9567}" type="datetimeFigureOut">
               <a:rPr lang="en-US" dirty="0"/>
               <a:pPr/>
-              <a:t>5/6/2016</a:t>
+              <a:t>7/15/2017</a:t>
             </a:fld>
             <a:endParaRPr lang="en-US" dirty="0"/>
           </a:p>
@@ -1383,7 +1375,7 @@
             <a:fld id="{B61BEF0D-F0BB-DE4B-95CE-6DB70DBA9567}" type="datetimeFigureOut">
               <a:rPr lang="en-US" dirty="0"/>
               <a:pPr/>
-              <a:t>5/6/2016</a:t>
+              <a:t>7/15/2017</a:t>
             </a:fld>
             <a:endParaRPr lang="en-US" dirty="0"/>
           </a:p>
@@ -1700,7 +1692,7 @@
             <a:fld id="{B61BEF0D-F0BB-DE4B-95CE-6DB70DBA9567}" type="datetimeFigureOut">
               <a:rPr lang="en-US" dirty="0"/>
               <a:pPr/>
-              <a:t>5/6/2016</a:t>
+              <a:t>7/15/2017</a:t>
             </a:fld>
             <a:endParaRPr lang="en-US" dirty="0"/>
           </a:p>
@@ -2093,7 +2085,7 @@
             <a:fld id="{B61BEF0D-F0BB-DE4B-95CE-6DB70DBA9567}" type="datetimeFigureOut">
               <a:rPr lang="en-US" dirty="0"/>
               <a:pPr/>
-              <a:t>5/6/2016</a:t>
+              <a:t>7/15/2017</a:t>
             </a:fld>
             <a:endParaRPr lang="en-US" dirty="0"/>
           </a:p>
@@ -2347,7 +2339,7 @@
             <a:fld id="{B61BEF0D-F0BB-DE4B-95CE-6DB70DBA9567}" type="datetimeFigureOut">
               <a:rPr lang="en-US" dirty="0"/>
               <a:pPr/>
-              <a:t>5/6/2016</a:t>
+              <a:t>7/15/2017</a:t>
             </a:fld>
             <a:endParaRPr lang="en-US" dirty="0"/>
           </a:p>
@@ -2606,7 +2598,7 @@
             <a:fld id="{B61BEF0D-F0BB-DE4B-95CE-6DB70DBA9567}" type="datetimeFigureOut">
               <a:rPr lang="en-US" dirty="0"/>
               <a:pPr/>
-              <a:t>5/6/2016</a:t>
+              <a:t>7/15/2017</a:t>
             </a:fld>
             <a:endParaRPr lang="en-US" dirty="0"/>
           </a:p>
@@ -2865,7 +2857,7 @@
             <a:fld id="{B61BEF0D-F0BB-DE4B-95CE-6DB70DBA9567}" type="datetimeFigureOut">
               <a:rPr lang="en-US" dirty="0"/>
               <a:pPr/>
-              <a:t>5/6/2016</a:t>
+              <a:t>7/15/2017</a:t>
             </a:fld>
             <a:endParaRPr lang="en-US" dirty="0"/>
           </a:p>
@@ -3191,7 +3183,7 @@
             <a:fld id="{B61BEF0D-F0BB-DE4B-95CE-6DB70DBA9567}" type="datetimeFigureOut">
               <a:rPr lang="en-US" dirty="0"/>
               <a:pPr/>
-              <a:t>5/6/2016</a:t>
+              <a:t>7/15/2017</a:t>
             </a:fld>
             <a:endParaRPr lang="en-US" dirty="0"/>
           </a:p>
@@ -3511,7 +3503,7 @@
             <a:fld id="{B61BEF0D-F0BB-DE4B-95CE-6DB70DBA9567}" type="datetimeFigureOut">
               <a:rPr lang="en-US" dirty="0"/>
               <a:pPr/>
-              <a:t>5/6/2016</a:t>
+              <a:t>7/15/2017</a:t>
             </a:fld>
             <a:endParaRPr lang="en-US" dirty="0"/>
           </a:p>
@@ -3965,7 +3957,7 @@
             <a:fld id="{B61BEF0D-F0BB-DE4B-95CE-6DB70DBA9567}" type="datetimeFigureOut">
               <a:rPr lang="en-US" dirty="0"/>
               <a:pPr/>
-              <a:t>5/6/2016</a:t>
+              <a:t>7/15/2017</a:t>
             </a:fld>
             <a:endParaRPr lang="en-US" dirty="0"/>
           </a:p>
@@ -4167,7 +4159,7 @@
             <a:fld id="{B61BEF0D-F0BB-DE4B-95CE-6DB70DBA9567}" type="datetimeFigureOut">
               <a:rPr lang="en-US" dirty="0"/>
               <a:pPr/>
-              <a:t>5/6/2016</a:t>
+              <a:t>7/15/2017</a:t>
             </a:fld>
             <a:endParaRPr lang="en-US" dirty="0"/>
           </a:p>
@@ -4341,7 +4333,7 @@
             <a:fld id="{B61BEF0D-F0BB-DE4B-95CE-6DB70DBA9567}" type="datetimeFigureOut">
               <a:rPr lang="en-US" dirty="0"/>
               <a:pPr/>
-              <a:t>5/6/2016</a:t>
+              <a:t>7/15/2017</a:t>
             </a:fld>
             <a:endParaRPr lang="en-US" dirty="0"/>
           </a:p>
@@ -4671,7 +4663,7 @@
             <a:fld id="{B61BEF0D-F0BB-DE4B-95CE-6DB70DBA9567}" type="datetimeFigureOut">
               <a:rPr lang="en-US" dirty="0"/>
               <a:pPr/>
-              <a:t>5/6/2016</a:t>
+              <a:t>7/15/2017</a:t>
             </a:fld>
             <a:endParaRPr lang="en-US" dirty="0"/>
           </a:p>
@@ -5013,7 +5005,7 @@
             <a:fld id="{B61BEF0D-F0BB-DE4B-95CE-6DB70DBA9567}" type="datetimeFigureOut">
               <a:rPr lang="en-US" dirty="0"/>
               <a:pPr/>
-              <a:t>5/6/2016</a:t>
+              <a:t>7/15/2017</a:t>
             </a:fld>
             <a:endParaRPr lang="en-US" dirty="0"/>
           </a:p>
@@ -7127,7 +7119,7 @@
             <a:fld id="{B61BEF0D-F0BB-DE4B-95CE-6DB70DBA9567}" type="datetimeFigureOut">
               <a:rPr lang="en-US" dirty="0"/>
               <a:pPr/>
-              <a:t>5/6/2016</a:t>
+              <a:t>7/15/2017</a:t>
             </a:fld>
             <a:endParaRPr lang="en-US" dirty="0"/>
           </a:p>
@@ -7648,19 +7640,22 @@
             <a:spLocks noGrp="1"/>
           </p:cNvSpPr>
           <p:nvPr>
-            <p:ph type="ctrTitle"/>
+            <p:ph type="title"/>
           </p:nvPr>
         </p:nvSpPr>
         <p:spPr>
           <a:xfrm>
-            <a:off x="2118158" y="1821872"/>
-            <a:ext cx="8915399" cy="2262781"/>
+            <a:off x="145773" y="821636"/>
+            <a:ext cx="11849170" cy="2014330"/>
           </a:xfrm>
         </p:spPr>
         <p:txBody>
-          <a:bodyPr/>
+          <a:bodyPr>
+            <a:normAutofit fontScale="90000"/>
+          </a:bodyPr>
           <a:lstStyle/>
           <a:p>
+            <a:pPr algn="ctr"/>
             <a:r>
               <a:rPr lang="en-US" b="1" dirty="0">
                 <a:solidFill>
@@ -7669,8 +7664,31 @@
                   </a:schemeClr>
                 </a:solidFill>
               </a:rPr>
-              <a:t>Project 200</a:t>
-            </a:r>
+              <a:t>NLP Research Group Website</a:t>
+            </a:r>
+            <a:br>
+              <a:rPr lang="en-US" b="1" dirty="0">
+                <a:solidFill>
+                  <a:schemeClr val="accent5">
+                    <a:lumMod val="75000"/>
+                  </a:schemeClr>
+                </a:solidFill>
+              </a:rPr>
+            </a:br>
+            <a:r>
+              <a:rPr lang="en-US" dirty="0"/>
+              <a:t>Course Code: CSE-434</a:t>
+            </a:r>
+            <a:br>
+              <a:rPr lang="en-US" dirty="0"/>
+            </a:br>
+            <a:endParaRPr lang="en-US" b="1" dirty="0">
+              <a:solidFill>
+                <a:schemeClr val="accent5">
+                  <a:lumMod val="75000"/>
+                </a:schemeClr>
+              </a:solidFill>
+            </a:endParaRPr>
           </a:p>
         </p:txBody>
       </p:sp>
@@ -7681,13 +7699,13 @@
             <a:spLocks noGrp="1"/>
           </p:cNvSpPr>
           <p:nvPr>
-            <p:ph type="subTitle" idx="1"/>
+            <p:ph type="body" sz="half" idx="2"/>
           </p:nvPr>
         </p:nvSpPr>
         <p:spPr>
           <a:xfrm>
-            <a:off x="2118158" y="4306324"/>
-            <a:ext cx="8915399" cy="1126283"/>
+            <a:off x="1873595" y="4585252"/>
+            <a:ext cx="9112457" cy="1338470"/>
           </a:xfrm>
         </p:spPr>
         <p:txBody>
@@ -7696,10 +7714,34 @@
           </a:bodyPr>
           <a:lstStyle/>
           <a:p>
-            <a:r>
-              <a:rPr lang="en-US" sz="4000" dirty="0"/>
-              <a:t>Software Lab Website</a:t>
-            </a:r>
+            <a:pPr marL="0" indent="0"/>
+            <a:r>
+              <a:rPr lang="en-US" sz="2600" b="1" dirty="0"/>
+              <a:t>Md. Abu Talha</a:t>
+            </a:r>
+          </a:p>
+          <a:p>
+            <a:pPr marL="0" indent="0"/>
+            <a:r>
+              <a:rPr lang="en-US" sz="2600" dirty="0"/>
+              <a:t>Reg: 2012331008</a:t>
+            </a:r>
+            <a:r>
+              <a:rPr lang="en-US" sz="2600" b="1" dirty="0"/>
+              <a:t>      </a:t>
+            </a:r>
+          </a:p>
+          <a:p>
+            <a:endParaRPr lang="en-US" sz="4000" dirty="0"/>
+          </a:p>
+          <a:p>
+            <a:endParaRPr lang="en-US" sz="4000" dirty="0"/>
+          </a:p>
+          <a:p>
+            <a:endParaRPr lang="en-US" sz="4000" dirty="0"/>
+          </a:p>
+          <a:p>
+            <a:endParaRPr lang="en-US" sz="4000" dirty="0"/>
           </a:p>
         </p:txBody>
       </p:sp>
@@ -7707,798 +7749,6 @@
     <p:extLst>
       <p:ext uri="{BB962C8B-B14F-4D97-AF65-F5344CB8AC3E}">
         <p14:creationId xmlns:p14="http://schemas.microsoft.com/office/powerpoint/2010/main" val="387977380"/>
-      </p:ext>
-    </p:extLst>
-  </p:cSld>
-  <p:clrMapOvr>
-    <a:masterClrMapping/>
-  </p:clrMapOvr>
-</p:sld>
-</file>
-
-<file path=ppt/slides/slide10.xml><?xml version="1.0" encoding="utf-8"?>
-<p:sld xmlns:a="http://schemas.openxmlformats.org/drawingml/2006/main" xmlns:r="http://schemas.openxmlformats.org/officeDocument/2006/relationships" xmlns:p="http://schemas.openxmlformats.org/presentationml/2006/main">
-  <p:cSld>
-    <p:spTree>
-      <p:nvGrpSpPr>
-        <p:cNvPr id="1" name=""/>
-        <p:cNvGrpSpPr/>
-        <p:nvPr/>
-      </p:nvGrpSpPr>
-      <p:grpSpPr>
-        <a:xfrm>
-          <a:off x="0" y="0"/>
-          <a:ext cx="0" cy="0"/>
-          <a:chOff x="0" y="0"/>
-          <a:chExt cx="0" cy="0"/>
-        </a:xfrm>
-      </p:grpSpPr>
-      <p:sp>
-        <p:nvSpPr>
-          <p:cNvPr id="2" name="Title 1"/>
-          <p:cNvSpPr>
-            <a:spLocks noGrp="1"/>
-          </p:cNvSpPr>
-          <p:nvPr>
-            <p:ph type="title"/>
-          </p:nvPr>
-        </p:nvSpPr>
-        <p:spPr/>
-        <p:txBody>
-          <a:bodyPr/>
-          <a:lstStyle/>
-          <a:p>
-            <a:r>
-              <a:rPr lang="en-US" dirty="0"/>
-              <a:t>Competition and Awards</a:t>
-            </a:r>
-            <a:br>
-              <a:rPr lang="en-US" dirty="0"/>
-            </a:br>
-            <a:endParaRPr lang="en-US" dirty="0"/>
-          </a:p>
-        </p:txBody>
-      </p:sp>
-      <p:sp>
-        <p:nvSpPr>
-          <p:cNvPr id="3" name="Content Placeholder 2"/>
-          <p:cNvSpPr>
-            <a:spLocks noGrp="1"/>
-          </p:cNvSpPr>
-          <p:nvPr>
-            <p:ph idx="1"/>
-          </p:nvPr>
-        </p:nvSpPr>
-        <p:spPr/>
-        <p:txBody>
-          <a:bodyPr/>
-          <a:lstStyle/>
-          <a:p>
-            <a:r>
-              <a:rPr lang="en-US" dirty="0"/>
-              <a:t>Competition Name</a:t>
-            </a:r>
-          </a:p>
-          <a:p>
-            <a:r>
-              <a:rPr lang="en-US" dirty="0"/>
-              <a:t>Awards</a:t>
-            </a:r>
-          </a:p>
-          <a:p>
-            <a:r>
-              <a:rPr lang="en-US" dirty="0"/>
-              <a:t>Member associate with awards</a:t>
-            </a:r>
-          </a:p>
-          <a:p>
-            <a:endParaRPr lang="en-US" dirty="0"/>
-          </a:p>
-          <a:p>
-            <a:endParaRPr lang="en-US" dirty="0"/>
-          </a:p>
-          <a:p>
-            <a:endParaRPr lang="en-US" dirty="0"/>
-          </a:p>
-        </p:txBody>
-      </p:sp>
-    </p:spTree>
-    <p:extLst>
-      <p:ext uri="{BB962C8B-B14F-4D97-AF65-F5344CB8AC3E}">
-        <p14:creationId xmlns:p14="http://schemas.microsoft.com/office/powerpoint/2010/main" val="454383673"/>
-      </p:ext>
-    </p:extLst>
-  </p:cSld>
-  <p:clrMapOvr>
-    <a:masterClrMapping/>
-  </p:clrMapOvr>
-</p:sld>
-</file>
-
-<file path=ppt/slides/slide11.xml><?xml version="1.0" encoding="utf-8"?>
-<p:sld xmlns:a="http://schemas.openxmlformats.org/drawingml/2006/main" xmlns:r="http://schemas.openxmlformats.org/officeDocument/2006/relationships" xmlns:p="http://schemas.openxmlformats.org/presentationml/2006/main">
-  <p:cSld>
-    <p:spTree>
-      <p:nvGrpSpPr>
-        <p:cNvPr id="1" name=""/>
-        <p:cNvGrpSpPr/>
-        <p:nvPr/>
-      </p:nvGrpSpPr>
-      <p:grpSpPr>
-        <a:xfrm>
-          <a:off x="0" y="0"/>
-          <a:ext cx="0" cy="0"/>
-          <a:chOff x="0" y="0"/>
-          <a:chExt cx="0" cy="0"/>
-        </a:xfrm>
-      </p:grpSpPr>
-      <p:sp>
-        <p:nvSpPr>
-          <p:cNvPr id="2" name="Title 1"/>
-          <p:cNvSpPr>
-            <a:spLocks noGrp="1"/>
-          </p:cNvSpPr>
-          <p:nvPr>
-            <p:ph type="title"/>
-          </p:nvPr>
-        </p:nvSpPr>
-        <p:spPr/>
-        <p:txBody>
-          <a:bodyPr/>
-          <a:lstStyle/>
-          <a:p>
-            <a:r>
-              <a:rPr lang="en-US" dirty="0"/>
-              <a:t>Online Contest</a:t>
-            </a:r>
-          </a:p>
-        </p:txBody>
-      </p:sp>
-      <p:sp>
-        <p:nvSpPr>
-          <p:cNvPr id="3" name="Content Placeholder 2"/>
-          <p:cNvSpPr>
-            <a:spLocks noGrp="1"/>
-          </p:cNvSpPr>
-          <p:nvPr>
-            <p:ph idx="1"/>
-          </p:nvPr>
-        </p:nvSpPr>
-        <p:spPr/>
-        <p:txBody>
-          <a:bodyPr/>
-          <a:lstStyle/>
-          <a:p>
-            <a:r>
-              <a:rPr lang="en-US" dirty="0"/>
-              <a:t>Lab Contest</a:t>
-            </a:r>
-          </a:p>
-          <a:p>
-            <a:r>
-              <a:rPr lang="en-US" dirty="0"/>
-              <a:t>Contest Status</a:t>
-            </a:r>
-          </a:p>
-          <a:p>
-            <a:r>
-              <a:rPr lang="en-US" dirty="0"/>
-              <a:t>Awards</a:t>
-            </a:r>
-          </a:p>
-          <a:p>
-            <a:r>
-              <a:rPr lang="en-US" dirty="0"/>
-              <a:t>Previous contest</a:t>
-            </a:r>
-          </a:p>
-          <a:p>
-            <a:r>
-              <a:rPr lang="en-US" dirty="0"/>
-              <a:t>Previous contest status</a:t>
-            </a:r>
-          </a:p>
-          <a:p>
-            <a:endParaRPr lang="en-US" dirty="0"/>
-          </a:p>
-        </p:txBody>
-      </p:sp>
-    </p:spTree>
-    <p:extLst>
-      <p:ext uri="{BB962C8B-B14F-4D97-AF65-F5344CB8AC3E}">
-        <p14:creationId xmlns:p14="http://schemas.microsoft.com/office/powerpoint/2010/main" val="2799742314"/>
-      </p:ext>
-    </p:extLst>
-  </p:cSld>
-  <p:clrMapOvr>
-    <a:masterClrMapping/>
-  </p:clrMapOvr>
-</p:sld>
-</file>
-
-<file path=ppt/slides/slide12.xml><?xml version="1.0" encoding="utf-8"?>
-<p:sld xmlns:a="http://schemas.openxmlformats.org/drawingml/2006/main" xmlns:r="http://schemas.openxmlformats.org/officeDocument/2006/relationships" xmlns:p="http://schemas.openxmlformats.org/presentationml/2006/main">
-  <p:cSld>
-    <p:spTree>
-      <p:nvGrpSpPr>
-        <p:cNvPr id="1" name=""/>
-        <p:cNvGrpSpPr/>
-        <p:nvPr/>
-      </p:nvGrpSpPr>
-      <p:grpSpPr>
-        <a:xfrm>
-          <a:off x="0" y="0"/>
-          <a:ext cx="0" cy="0"/>
-          <a:chOff x="0" y="0"/>
-          <a:chExt cx="0" cy="0"/>
-        </a:xfrm>
-      </p:grpSpPr>
-      <p:sp>
-        <p:nvSpPr>
-          <p:cNvPr id="2" name="Title 1"/>
-          <p:cNvSpPr>
-            <a:spLocks noGrp="1"/>
-          </p:cNvSpPr>
-          <p:nvPr>
-            <p:ph type="title"/>
-          </p:nvPr>
-        </p:nvSpPr>
-        <p:spPr/>
-        <p:txBody>
-          <a:bodyPr/>
-          <a:lstStyle/>
-          <a:p>
-            <a:r>
-              <a:rPr lang="en-US" b="1" dirty="0"/>
-              <a:t>Projects &amp; Papers</a:t>
-            </a:r>
-          </a:p>
-        </p:txBody>
-      </p:sp>
-      <p:sp>
-        <p:nvSpPr>
-          <p:cNvPr id="3" name="Content Placeholder 2"/>
-          <p:cNvSpPr>
-            <a:spLocks noGrp="1"/>
-          </p:cNvSpPr>
-          <p:nvPr>
-            <p:ph idx="1"/>
-          </p:nvPr>
-        </p:nvSpPr>
-        <p:spPr/>
-        <p:txBody>
-          <a:bodyPr/>
-          <a:lstStyle/>
-          <a:p>
-            <a:r>
-              <a:rPr lang="en-US" sz="2400" dirty="0"/>
-              <a:t>All Project List</a:t>
-            </a:r>
-          </a:p>
-          <a:p>
-            <a:r>
-              <a:rPr lang="en-US" sz="2400" dirty="0"/>
-              <a:t>Current project List</a:t>
-            </a:r>
-          </a:p>
-          <a:p>
-            <a:r>
-              <a:rPr lang="en-US" sz="2400" dirty="0"/>
-              <a:t>Research Papers</a:t>
-            </a:r>
-          </a:p>
-          <a:p>
-            <a:endParaRPr lang="en-US" dirty="0"/>
-          </a:p>
-          <a:p>
-            <a:endParaRPr lang="en-US" dirty="0"/>
-          </a:p>
-        </p:txBody>
-      </p:sp>
-    </p:spTree>
-    <p:extLst>
-      <p:ext uri="{BB962C8B-B14F-4D97-AF65-F5344CB8AC3E}">
-        <p14:creationId xmlns:p14="http://schemas.microsoft.com/office/powerpoint/2010/main" val="1985869205"/>
-      </p:ext>
-    </p:extLst>
-  </p:cSld>
-  <p:clrMapOvr>
-    <a:masterClrMapping/>
-  </p:clrMapOvr>
-</p:sld>
-</file>
-
-<file path=ppt/slides/slide13.xml><?xml version="1.0" encoding="utf-8"?>
-<p:sld xmlns:a="http://schemas.openxmlformats.org/drawingml/2006/main" xmlns:r="http://schemas.openxmlformats.org/officeDocument/2006/relationships" xmlns:p="http://schemas.openxmlformats.org/presentationml/2006/main">
-  <p:cSld>
-    <p:spTree>
-      <p:nvGrpSpPr>
-        <p:cNvPr id="1" name=""/>
-        <p:cNvGrpSpPr/>
-        <p:nvPr/>
-      </p:nvGrpSpPr>
-      <p:grpSpPr>
-        <a:xfrm>
-          <a:off x="0" y="0"/>
-          <a:ext cx="0" cy="0"/>
-          <a:chOff x="0" y="0"/>
-          <a:chExt cx="0" cy="0"/>
-        </a:xfrm>
-      </p:grpSpPr>
-      <p:sp>
-        <p:nvSpPr>
-          <p:cNvPr id="2" name="Title 1"/>
-          <p:cNvSpPr>
-            <a:spLocks noGrp="1"/>
-          </p:cNvSpPr>
-          <p:nvPr>
-            <p:ph type="title"/>
-          </p:nvPr>
-        </p:nvSpPr>
-        <p:spPr/>
-        <p:txBody>
-          <a:bodyPr/>
-          <a:lstStyle/>
-          <a:p>
-            <a:r>
-              <a:rPr lang="en-US" b="1" dirty="0"/>
-              <a:t>Blog</a:t>
-            </a:r>
-          </a:p>
-        </p:txBody>
-      </p:sp>
-      <p:sp>
-        <p:nvSpPr>
-          <p:cNvPr id="3" name="Content Placeholder 2"/>
-          <p:cNvSpPr>
-            <a:spLocks noGrp="1"/>
-          </p:cNvSpPr>
-          <p:nvPr>
-            <p:ph idx="1"/>
-          </p:nvPr>
-        </p:nvSpPr>
-        <p:spPr/>
-        <p:txBody>
-          <a:bodyPr/>
-          <a:lstStyle/>
-          <a:p>
-            <a:r>
-              <a:rPr lang="en-US" dirty="0"/>
-              <a:t>Students and teachers Blog</a:t>
-            </a:r>
-          </a:p>
-          <a:p>
-            <a:r>
-              <a:rPr lang="en-US" dirty="0"/>
-              <a:t>Comment System</a:t>
-            </a:r>
-          </a:p>
-          <a:p>
-            <a:r>
-              <a:rPr lang="en-US" dirty="0"/>
-              <a:t>Like System</a:t>
-            </a:r>
-          </a:p>
-          <a:p>
-            <a:r>
-              <a:rPr lang="en-US" dirty="0"/>
-              <a:t>Share System</a:t>
-            </a:r>
-          </a:p>
-          <a:p>
-            <a:pPr marL="0" indent="0">
-              <a:buNone/>
-            </a:pPr>
-            <a:r>
-              <a:rPr lang="en-US" dirty="0"/>
-              <a:t> </a:t>
-            </a:r>
-          </a:p>
-        </p:txBody>
-      </p:sp>
-    </p:spTree>
-    <p:extLst>
-      <p:ext uri="{BB962C8B-B14F-4D97-AF65-F5344CB8AC3E}">
-        <p14:creationId xmlns:p14="http://schemas.microsoft.com/office/powerpoint/2010/main" val="3118723256"/>
-      </p:ext>
-    </p:extLst>
-  </p:cSld>
-  <p:clrMapOvr>
-    <a:masterClrMapping/>
-  </p:clrMapOvr>
-</p:sld>
-</file>
-
-<file path=ppt/slides/slide14.xml><?xml version="1.0" encoding="utf-8"?>
-<p:sld xmlns:a="http://schemas.openxmlformats.org/drawingml/2006/main" xmlns:r="http://schemas.openxmlformats.org/officeDocument/2006/relationships" xmlns:p="http://schemas.openxmlformats.org/presentationml/2006/main">
-  <p:cSld>
-    <p:spTree>
-      <p:nvGrpSpPr>
-        <p:cNvPr id="1" name=""/>
-        <p:cNvGrpSpPr/>
-        <p:nvPr/>
-      </p:nvGrpSpPr>
-      <p:grpSpPr>
-        <a:xfrm>
-          <a:off x="0" y="0"/>
-          <a:ext cx="0" cy="0"/>
-          <a:chOff x="0" y="0"/>
-          <a:chExt cx="0" cy="0"/>
-        </a:xfrm>
-      </p:grpSpPr>
-      <p:sp>
-        <p:nvSpPr>
-          <p:cNvPr id="2" name="Title 1"/>
-          <p:cNvSpPr>
-            <a:spLocks noGrp="1"/>
-          </p:cNvSpPr>
-          <p:nvPr>
-            <p:ph type="title"/>
-          </p:nvPr>
-        </p:nvSpPr>
-        <p:spPr>
-          <a:xfrm>
-            <a:off x="1884219" y="624110"/>
-            <a:ext cx="9620394" cy="1280890"/>
-          </a:xfrm>
-        </p:spPr>
-        <p:txBody>
-          <a:bodyPr/>
-          <a:lstStyle/>
-          <a:p>
-            <a:r>
-              <a:rPr lang="en-US" b="1" dirty="0">
-                <a:solidFill>
-                  <a:schemeClr val="bg1">
-                    <a:lumMod val="50000"/>
-                  </a:schemeClr>
-                </a:solidFill>
-              </a:rPr>
-              <a:t>Apply for Membership</a:t>
-            </a:r>
-          </a:p>
-        </p:txBody>
-      </p:sp>
-      <p:sp>
-        <p:nvSpPr>
-          <p:cNvPr id="3" name="Content Placeholder 2"/>
-          <p:cNvSpPr>
-            <a:spLocks noGrp="1"/>
-          </p:cNvSpPr>
-          <p:nvPr>
-            <p:ph idx="1"/>
-          </p:nvPr>
-        </p:nvSpPr>
-        <p:spPr/>
-        <p:txBody>
-          <a:bodyPr/>
-          <a:lstStyle/>
-          <a:p>
-            <a:r>
-              <a:rPr lang="en-US" dirty="0"/>
-              <a:t>Apply from</a:t>
-            </a:r>
-          </a:p>
-          <a:p>
-            <a:r>
-              <a:rPr lang="en-US" dirty="0"/>
-              <a:t>Waiting Student</a:t>
-            </a:r>
-          </a:p>
-          <a:p>
-            <a:r>
-              <a:rPr lang="en-US" dirty="0"/>
-              <a:t>Viva Date</a:t>
-            </a:r>
-          </a:p>
-          <a:p>
-            <a:endParaRPr lang="en-US" dirty="0"/>
-          </a:p>
-        </p:txBody>
-      </p:sp>
-    </p:spTree>
-    <p:extLst>
-      <p:ext uri="{BB962C8B-B14F-4D97-AF65-F5344CB8AC3E}">
-        <p14:creationId xmlns:p14="http://schemas.microsoft.com/office/powerpoint/2010/main" val="859207368"/>
-      </p:ext>
-    </p:extLst>
-  </p:cSld>
-  <p:clrMapOvr>
-    <a:masterClrMapping/>
-  </p:clrMapOvr>
-</p:sld>
-</file>
-
-<file path=ppt/slides/slide15.xml><?xml version="1.0" encoding="utf-8"?>
-<p:sld xmlns:a="http://schemas.openxmlformats.org/drawingml/2006/main" xmlns:r="http://schemas.openxmlformats.org/officeDocument/2006/relationships" xmlns:p="http://schemas.openxmlformats.org/presentationml/2006/main">
-  <p:cSld>
-    <p:spTree>
-      <p:nvGrpSpPr>
-        <p:cNvPr id="1" name=""/>
-        <p:cNvGrpSpPr/>
-        <p:nvPr/>
-      </p:nvGrpSpPr>
-      <p:grpSpPr>
-        <a:xfrm>
-          <a:off x="0" y="0"/>
-          <a:ext cx="0" cy="0"/>
-          <a:chOff x="0" y="0"/>
-          <a:chExt cx="0" cy="0"/>
-        </a:xfrm>
-      </p:grpSpPr>
-      <p:sp>
-        <p:nvSpPr>
-          <p:cNvPr id="2" name="Title 1"/>
-          <p:cNvSpPr>
-            <a:spLocks noGrp="1"/>
-          </p:cNvSpPr>
-          <p:nvPr>
-            <p:ph type="title"/>
-          </p:nvPr>
-        </p:nvSpPr>
-        <p:spPr>
-          <a:xfrm>
-            <a:off x="1704109" y="624110"/>
-            <a:ext cx="9800503" cy="1280890"/>
-          </a:xfrm>
-        </p:spPr>
-        <p:txBody>
-          <a:bodyPr/>
-          <a:lstStyle/>
-          <a:p>
-            <a:r>
-              <a:rPr lang="en-US" b="1" dirty="0">
-                <a:solidFill>
-                  <a:schemeClr val="accent2">
-                    <a:lumMod val="50000"/>
-                  </a:schemeClr>
-                </a:solidFill>
-              </a:rPr>
-              <a:t>Teachers Course Projects</a:t>
-            </a:r>
-          </a:p>
-        </p:txBody>
-      </p:sp>
-      <p:sp>
-        <p:nvSpPr>
-          <p:cNvPr id="3" name="Content Placeholder 2"/>
-          <p:cNvSpPr>
-            <a:spLocks noGrp="1"/>
-          </p:cNvSpPr>
-          <p:nvPr>
-            <p:ph idx="1"/>
-          </p:nvPr>
-        </p:nvSpPr>
-        <p:spPr/>
-        <p:txBody>
-          <a:bodyPr/>
-          <a:lstStyle/>
-          <a:p>
-            <a:r>
-              <a:rPr lang="en-US" dirty="0"/>
-              <a:t>Suggested Project List</a:t>
-            </a:r>
-          </a:p>
-          <a:p>
-            <a:r>
-              <a:rPr lang="en-US" dirty="0"/>
-              <a:t>Assign project To Student</a:t>
-            </a:r>
-          </a:p>
-          <a:p>
-            <a:r>
-              <a:rPr lang="en-US" dirty="0"/>
-              <a:t>Student Projects Details</a:t>
-            </a:r>
-          </a:p>
-          <a:p>
-            <a:r>
-              <a:rPr lang="en-US" dirty="0"/>
-              <a:t>Viva Date</a:t>
-            </a:r>
-          </a:p>
-          <a:p>
-            <a:r>
-              <a:rPr lang="en-US" dirty="0"/>
-              <a:t>Submission Date</a:t>
-            </a:r>
-          </a:p>
-          <a:p>
-            <a:r>
-              <a:rPr lang="en-US" dirty="0"/>
-              <a:t>Projects Grade</a:t>
-            </a:r>
-          </a:p>
-        </p:txBody>
-      </p:sp>
-    </p:spTree>
-    <p:extLst>
-      <p:ext uri="{BB962C8B-B14F-4D97-AF65-F5344CB8AC3E}">
-        <p14:creationId xmlns:p14="http://schemas.microsoft.com/office/powerpoint/2010/main" val="3984690653"/>
-      </p:ext>
-    </p:extLst>
-  </p:cSld>
-  <p:clrMapOvr>
-    <a:masterClrMapping/>
-  </p:clrMapOvr>
-</p:sld>
-</file>
-
-<file path=ppt/slides/slide16.xml><?xml version="1.0" encoding="utf-8"?>
-<p:sld xmlns:a="http://schemas.openxmlformats.org/drawingml/2006/main" xmlns:r="http://schemas.openxmlformats.org/officeDocument/2006/relationships" xmlns:p="http://schemas.openxmlformats.org/presentationml/2006/main">
-  <p:cSld>
-    <p:spTree>
-      <p:nvGrpSpPr>
-        <p:cNvPr id="1" name=""/>
-        <p:cNvGrpSpPr/>
-        <p:nvPr/>
-      </p:nvGrpSpPr>
-      <p:grpSpPr>
-        <a:xfrm>
-          <a:off x="0" y="0"/>
-          <a:ext cx="0" cy="0"/>
-          <a:chOff x="0" y="0"/>
-          <a:chExt cx="0" cy="0"/>
-        </a:xfrm>
-      </p:grpSpPr>
-      <p:sp>
-        <p:nvSpPr>
-          <p:cNvPr id="2" name="Title 1"/>
-          <p:cNvSpPr>
-            <a:spLocks noGrp="1"/>
-          </p:cNvSpPr>
-          <p:nvPr>
-            <p:ph type="title"/>
-          </p:nvPr>
-        </p:nvSpPr>
-        <p:spPr>
-          <a:xfrm>
-            <a:off x="1593273" y="624110"/>
-            <a:ext cx="9911339" cy="1280890"/>
-          </a:xfrm>
-        </p:spPr>
-        <p:txBody>
-          <a:bodyPr/>
-          <a:lstStyle/>
-          <a:p>
-            <a:r>
-              <a:rPr lang="en-US" b="1" dirty="0">
-                <a:solidFill>
-                  <a:schemeClr val="accent4">
-                    <a:lumMod val="75000"/>
-                  </a:schemeClr>
-                </a:solidFill>
-              </a:rPr>
-              <a:t>Others Lab Website List</a:t>
-            </a:r>
-            <a:r>
-              <a:rPr lang="bn-IN" b="1" dirty="0">
-                <a:solidFill>
-                  <a:schemeClr val="accent4">
-                    <a:lumMod val="75000"/>
-                  </a:schemeClr>
-                </a:solidFill>
-              </a:rPr>
-              <a:t> </a:t>
-            </a:r>
-            <a:r>
-              <a:rPr lang="en-US" b="1" dirty="0">
-                <a:solidFill>
-                  <a:schemeClr val="accent4">
-                    <a:lumMod val="75000"/>
-                  </a:schemeClr>
-                </a:solidFill>
-              </a:rPr>
-              <a:t>And Contact</a:t>
-            </a:r>
-          </a:p>
-        </p:txBody>
-      </p:sp>
-      <p:sp>
-        <p:nvSpPr>
-          <p:cNvPr id="3" name="Content Placeholder 2"/>
-          <p:cNvSpPr>
-            <a:spLocks noGrp="1"/>
-          </p:cNvSpPr>
-          <p:nvPr>
-            <p:ph idx="1"/>
-          </p:nvPr>
-        </p:nvSpPr>
-        <p:spPr/>
-        <p:txBody>
-          <a:bodyPr/>
-          <a:lstStyle/>
-          <a:p>
-            <a:r>
-              <a:rPr lang="en-US" dirty="0"/>
-              <a:t>Others Lab Website List</a:t>
-            </a:r>
-          </a:p>
-          <a:p>
-            <a:r>
-              <a:rPr lang="en-US" dirty="0"/>
-              <a:t>Lab Description </a:t>
-            </a:r>
-          </a:p>
-          <a:p>
-            <a:r>
-              <a:rPr lang="en-US" dirty="0"/>
-              <a:t>Contact From</a:t>
-            </a:r>
-          </a:p>
-          <a:p>
-            <a:r>
-              <a:rPr lang="en-US" dirty="0"/>
-              <a:t>Email Sending System</a:t>
-            </a:r>
-          </a:p>
-        </p:txBody>
-      </p:sp>
-    </p:spTree>
-    <p:extLst>
-      <p:ext uri="{BB962C8B-B14F-4D97-AF65-F5344CB8AC3E}">
-        <p14:creationId xmlns:p14="http://schemas.microsoft.com/office/powerpoint/2010/main" val="2688361428"/>
-      </p:ext>
-    </p:extLst>
-  </p:cSld>
-  <p:clrMapOvr>
-    <a:masterClrMapping/>
-  </p:clrMapOvr>
-</p:sld>
-</file>
-
-<file path=ppt/slides/slide17.xml><?xml version="1.0" encoding="utf-8"?>
-<p:sld xmlns:a="http://schemas.openxmlformats.org/drawingml/2006/main" xmlns:r="http://schemas.openxmlformats.org/officeDocument/2006/relationships" xmlns:p="http://schemas.openxmlformats.org/presentationml/2006/main">
-  <p:cSld>
-    <p:spTree>
-      <p:nvGrpSpPr>
-        <p:cNvPr id="1" name=""/>
-        <p:cNvGrpSpPr/>
-        <p:nvPr/>
-      </p:nvGrpSpPr>
-      <p:grpSpPr>
-        <a:xfrm>
-          <a:off x="0" y="0"/>
-          <a:ext cx="0" cy="0"/>
-          <a:chOff x="0" y="0"/>
-          <a:chExt cx="0" cy="0"/>
-        </a:xfrm>
-      </p:grpSpPr>
-      <p:sp>
-        <p:nvSpPr>
-          <p:cNvPr id="2" name="Title 1"/>
-          <p:cNvSpPr>
-            <a:spLocks noGrp="1"/>
-          </p:cNvSpPr>
-          <p:nvPr>
-            <p:ph type="title"/>
-          </p:nvPr>
-        </p:nvSpPr>
-        <p:spPr>
-          <a:xfrm>
-            <a:off x="2108016" y="2813128"/>
-            <a:ext cx="8911687" cy="1280890"/>
-          </a:xfrm>
-        </p:spPr>
-        <p:txBody>
-          <a:bodyPr/>
-          <a:lstStyle/>
-          <a:p>
-            <a:r>
-              <a:rPr lang="en-US" dirty="0"/>
-              <a:t>						</a:t>
-            </a:r>
-            <a:r>
-              <a:rPr lang="en-US" b="1" dirty="0"/>
-              <a:t>Thank You </a:t>
-            </a:r>
-          </a:p>
-        </p:txBody>
-      </p:sp>
-    </p:spTree>
-    <p:extLst>
-      <p:ext uri="{BB962C8B-B14F-4D97-AF65-F5344CB8AC3E}">
-        <p14:creationId xmlns:p14="http://schemas.microsoft.com/office/powerpoint/2010/main" val="2100924579"/>
       </p:ext>
     </p:extLst>
   </p:cSld>
@@ -8584,7 +7834,7 @@
         </p:spPr>
         <p:txBody>
           <a:bodyPr>
-            <a:normAutofit fontScale="92500" lnSpcReduction="10000"/>
+            <a:normAutofit lnSpcReduction="10000"/>
           </a:bodyPr>
           <a:lstStyle/>
           <a:p>
@@ -8594,7 +7844,15 @@
             </a:pPr>
             <a:r>
               <a:rPr lang="en-US" sz="2800" b="1" dirty="0"/>
-              <a:t> Sheikh Nabil Mohammad</a:t>
+              <a:t> </a:t>
+            </a:r>
+            <a:r>
+              <a:rPr lang="en-US" sz="2600" b="1" dirty="0" err="1"/>
+              <a:t>Md</a:t>
+            </a:r>
+            <a:r>
+              <a:rPr lang="en-US" sz="2600" b="1" dirty="0"/>
+              <a:t> Saiful Islam</a:t>
             </a:r>
           </a:p>
           <a:p>
@@ -8603,11 +7861,7 @@
             </a:pPr>
             <a:r>
               <a:rPr lang="en-US" b="1" dirty="0"/>
-              <a:t>       Lecturer</a:t>
-            </a:r>
-            <a:r>
-              <a:rPr lang="en-US" dirty="0"/>
-              <a:t>, </a:t>
+              <a:t>       Assistant Professor, </a:t>
             </a:r>
           </a:p>
           <a:p>
@@ -8651,23 +7905,14 @@
             <a:endParaRPr lang="en-US" sz="2800" b="1" dirty="0"/>
           </a:p>
           <a:p>
-            <a:pPr>
-              <a:buFont typeface="Wingdings" panose="05000000000000000000" pitchFamily="2" charset="2"/>
-              <a:buChar char="v"/>
-            </a:pPr>
-            <a:r>
-              <a:rPr lang="en-US" sz="2800" b="1" dirty="0" err="1"/>
-              <a:t>Chakrabarty</a:t>
-            </a:r>
-            <a:r>
-              <a:rPr lang="en-US" sz="2800" b="1" dirty="0"/>
-              <a:t> </a:t>
-            </a:r>
-            <a:r>
-              <a:rPr lang="en-US" sz="2800" b="1" dirty="0" err="1"/>
-              <a:t>Biswa</a:t>
-            </a:r>
-            <a:endParaRPr lang="en-US" sz="2800" b="1" dirty="0"/>
+            <a:r>
+              <a:rPr lang="en-US" sz="2400" b="1" dirty="0" err="1"/>
+              <a:t>Marium</a:t>
+            </a:r>
+            <a:r>
+              <a:rPr lang="en-US" sz="2400" b="1" dirty="0"/>
+              <a:t>-E-Jannat</a:t>
+            </a:r>
           </a:p>
           <a:p>
             <a:pPr marL="0" indent="0">
@@ -8679,11 +7924,7 @@
             </a:r>
             <a:r>
               <a:rPr lang="en-US" b="1" dirty="0"/>
-              <a:t>Lecturer</a:t>
-            </a:r>
-            <a:r>
-              <a:rPr lang="en-US" dirty="0"/>
-              <a:t>, </a:t>
+              <a:t>Assistant Professor, </a:t>
             </a:r>
           </a:p>
           <a:p>
@@ -8774,10 +8015,96 @@
             <p:ph type="title"/>
           </p:nvPr>
         </p:nvSpPr>
+        <p:spPr/>
+        <p:txBody>
+          <a:bodyPr/>
+          <a:lstStyle/>
+          <a:p>
+            <a:r>
+              <a:rPr lang="en-US" b="1" dirty="0">
+                <a:solidFill>
+                  <a:schemeClr val="accent6">
+                    <a:lumMod val="50000"/>
+                  </a:schemeClr>
+                </a:solidFill>
+              </a:rPr>
+              <a:t>Features</a:t>
+            </a:r>
+          </a:p>
+        </p:txBody>
+      </p:sp>
+      <p:sp>
+        <p:nvSpPr>
+          <p:cNvPr id="3" name="Content Placeholder 2"/>
+          <p:cNvSpPr>
+            <a:spLocks noGrp="1"/>
+          </p:cNvSpPr>
+          <p:nvPr>
+            <p:ph sz="half" idx="1"/>
+          </p:nvPr>
+        </p:nvSpPr>
+        <p:spPr/>
+        <p:txBody>
+          <a:bodyPr/>
+          <a:lstStyle/>
+          <a:p>
+            <a:r>
+              <a:rPr lang="en-US" dirty="0"/>
+              <a:t>Upcoming Events</a:t>
+            </a:r>
+          </a:p>
+          <a:p>
+            <a:r>
+              <a:rPr lang="en-US" dirty="0"/>
+              <a:t>Latest News</a:t>
+            </a:r>
+          </a:p>
+          <a:p>
+            <a:r>
+              <a:rPr lang="en-US" dirty="0"/>
+              <a:t>User(Faculty/Student/Alumni……) </a:t>
+            </a:r>
+          </a:p>
+          <a:p>
+            <a:r>
+              <a:rPr lang="en-US" dirty="0"/>
+              <a:t>Research Area</a:t>
+            </a:r>
+          </a:p>
+          <a:p>
+            <a:r>
+              <a:rPr lang="en-US" dirty="0"/>
+              <a:t>Award</a:t>
+            </a:r>
+          </a:p>
+          <a:p>
+            <a:r>
+              <a:rPr lang="en-US" dirty="0"/>
+              <a:t>Projects</a:t>
+            </a:r>
+          </a:p>
+          <a:p>
+            <a:r>
+              <a:rPr lang="en-US" dirty="0"/>
+              <a:t>Publication</a:t>
+            </a:r>
+          </a:p>
+        </p:txBody>
+      </p:sp>
+      <p:sp>
+        <p:nvSpPr>
+          <p:cNvPr id="4" name="Content Placeholder 3"/>
+          <p:cNvSpPr>
+            <a:spLocks noGrp="1"/>
+          </p:cNvSpPr>
+          <p:nvPr>
+            <p:ph sz="half" idx="2"/>
+          </p:nvPr>
+        </p:nvSpPr>
         <p:spPr>
           <a:xfrm>
-            <a:off x="1579419" y="624110"/>
-            <a:ext cx="9925194" cy="1280890"/>
+            <a:off x="6903076" y="2133600"/>
+            <a:ext cx="4313864" cy="3777622"/>
           </a:xfrm>
         </p:spPr>
         <p:txBody>
@@ -8785,127 +8112,26 @@
           <a:lstStyle/>
           <a:p>
             <a:r>
-              <a:rPr lang="en-US" b="1" dirty="0"/>
-              <a:t> Students/Developers</a:t>
-            </a:r>
-          </a:p>
-        </p:txBody>
-      </p:sp>
-      <p:sp>
-        <p:nvSpPr>
-          <p:cNvPr id="3" name="Content Placeholder 2"/>
-          <p:cNvSpPr>
-            <a:spLocks noGrp="1"/>
-          </p:cNvSpPr>
-          <p:nvPr>
-            <p:ph idx="1"/>
-          </p:nvPr>
-        </p:nvSpPr>
-        <p:spPr>
-          <a:xfrm>
-            <a:off x="3422072" y="2064327"/>
-            <a:ext cx="8082539" cy="3846895"/>
-          </a:xfrm>
-        </p:spPr>
-        <p:txBody>
-          <a:bodyPr>
-            <a:normAutofit/>
-          </a:bodyPr>
-          <a:lstStyle/>
-          <a:p>
-            <a:pPr>
-              <a:buFont typeface="Wingdings" panose="05000000000000000000" pitchFamily="2" charset="2"/>
-              <a:buChar char="v"/>
-            </a:pPr>
-            <a:r>
-              <a:rPr lang="en-US" sz="2400" b="1" dirty="0"/>
-              <a:t> Md. Abu </a:t>
-            </a:r>
-            <a:r>
-              <a:rPr lang="en-US" sz="2400" b="1" dirty="0" err="1"/>
-              <a:t>Talha</a:t>
-            </a:r>
-            <a:endParaRPr lang="en-US" sz="2400" b="1" dirty="0"/>
-          </a:p>
-          <a:p>
-            <a:pPr marL="0" indent="0">
-              <a:buNone/>
-            </a:pPr>
-            <a:r>
               <a:rPr lang="en-US" dirty="0"/>
-              <a:t>        </a:t>
-            </a:r>
-            <a:r>
-              <a:rPr lang="en-US" dirty="0" err="1"/>
-              <a:t>Reg</a:t>
-            </a:r>
+              <a:t>Blog</a:t>
+            </a:r>
+          </a:p>
+          <a:p>
             <a:r>
               <a:rPr lang="en-US" dirty="0"/>
-              <a:t>: 2012331008</a:t>
-            </a:r>
-            <a:r>
-              <a:rPr lang="en-US" b="1" dirty="0"/>
-              <a:t>      </a:t>
-            </a:r>
-          </a:p>
-          <a:p>
-            <a:pPr marL="0" indent="0">
-              <a:buNone/>
-            </a:pPr>
-            <a:endParaRPr lang="en-US" sz="2800" b="1" dirty="0"/>
-          </a:p>
-          <a:p>
-            <a:pPr>
-              <a:buFont typeface="Wingdings" panose="05000000000000000000" pitchFamily="2" charset="2"/>
-              <a:buChar char="v"/>
-            </a:pPr>
-            <a:r>
-              <a:rPr lang="en-US" sz="2400" b="1" dirty="0" err="1"/>
-              <a:t>Farzad</a:t>
-            </a:r>
-            <a:r>
-              <a:rPr lang="en-US" sz="2400" b="1" dirty="0"/>
-              <a:t> Bin </a:t>
-            </a:r>
-            <a:r>
-              <a:rPr lang="en-US" sz="2400" b="1" dirty="0" err="1"/>
-              <a:t>Fazle</a:t>
-            </a:r>
-            <a:r>
-              <a:rPr lang="en-US" sz="2400" dirty="0"/>
-              <a:t> </a:t>
-            </a:r>
-          </a:p>
-          <a:p>
-            <a:pPr marL="0" indent="0">
-              <a:buNone/>
-            </a:pPr>
-            <a:r>
-              <a:rPr lang="en-US" i="1" dirty="0"/>
-              <a:t>	</a:t>
-            </a:r>
-            <a:r>
-              <a:rPr lang="en-US" dirty="0"/>
-              <a:t> </a:t>
-            </a:r>
-            <a:r>
-              <a:rPr lang="en-US" dirty="0" err="1"/>
-              <a:t>Reg</a:t>
-            </a:r>
-            <a:r>
-              <a:rPr lang="en-US" dirty="0"/>
-              <a:t>: 2012331005</a:t>
-            </a:r>
-            <a:r>
-              <a:rPr lang="en-US" b="1" dirty="0"/>
-              <a:t> </a:t>
-            </a:r>
-            <a:endParaRPr lang="en-US" dirty="0"/>
-          </a:p>
-          <a:p>
-            <a:pPr marL="0" indent="0">
-              <a:buNone/>
-            </a:pPr>
+              <a:t>Resource</a:t>
+            </a:r>
+          </a:p>
+          <a:p>
+            <a:endParaRPr lang="en-US" dirty="0"/>
+          </a:p>
+          <a:p>
+            <a:endParaRPr lang="en-US" dirty="0"/>
+          </a:p>
+          <a:p>
+            <a:endParaRPr lang="en-US" dirty="0"/>
+          </a:p>
+          <a:p>
             <a:endParaRPr lang="en-US" dirty="0"/>
           </a:p>
         </p:txBody>
@@ -8913,7 +8139,7 @@
     </p:spTree>
     <p:extLst>
       <p:ext uri="{BB962C8B-B14F-4D97-AF65-F5344CB8AC3E}">
-        <p14:creationId xmlns:p14="http://schemas.microsoft.com/office/powerpoint/2010/main" val="3522860117"/>
+        <p14:creationId xmlns:p14="http://schemas.microsoft.com/office/powerpoint/2010/main" val="927372322"/>
       </p:ext>
     </p:extLst>
   </p:cSld>
@@ -8942,7 +8168,13 @@
       </p:grpSpPr>
       <p:sp>
         <p:nvSpPr>
-          <p:cNvPr id="2" name="Title 1"/>
+          <p:cNvPr id="2" name="Title 1">
+            <a:extLst>
+              <a:ext uri="{FF2B5EF4-FFF2-40B4-BE49-F238E27FC236}">
+                <a16:creationId xmlns:a16="http://schemas.microsoft.com/office/drawing/2014/main" id="{6928D8C7-2E4A-4679-9035-42B31674AAC2}"/>
+              </a:ext>
+            </a:extLst>
+          </p:cNvPr>
           <p:cNvSpPr>
             <a:spLocks noGrp="1"/>
           </p:cNvSpPr>
@@ -8956,26 +8188,30 @@
           <a:lstStyle/>
           <a:p>
             <a:r>
-              <a:rPr lang="en-US" b="1" dirty="0">
-                <a:solidFill>
-                  <a:schemeClr val="accent6">
-                    <a:lumMod val="50000"/>
-                  </a:schemeClr>
-                </a:solidFill>
-              </a:rPr>
-              <a:t>Features</a:t>
-            </a:r>
-          </a:p>
-        </p:txBody>
-      </p:sp>
-      <p:sp>
-        <p:nvSpPr>
-          <p:cNvPr id="3" name="Content Placeholder 2"/>
-          <p:cNvSpPr>
-            <a:spLocks noGrp="1"/>
-          </p:cNvSpPr>
-          <p:nvPr>
-            <p:ph sz="half" idx="1"/>
+              <a:rPr lang="en-US" dirty="0"/>
+              <a:t>Hosted On:</a:t>
+            </a:r>
+            <a:br>
+              <a:rPr lang="en-US" dirty="0"/>
+            </a:br>
+            <a:endParaRPr lang="en-US" dirty="0"/>
+          </a:p>
+        </p:txBody>
+      </p:sp>
+      <p:sp>
+        <p:nvSpPr>
+          <p:cNvPr id="3" name="Content Placeholder 2">
+            <a:extLst>
+              <a:ext uri="{FF2B5EF4-FFF2-40B4-BE49-F238E27FC236}">
+                <a16:creationId xmlns:a16="http://schemas.microsoft.com/office/drawing/2014/main" id="{E18858A4-ACDF-4DFF-8ECE-7EB45992809C}"/>
+              </a:ext>
+            </a:extLst>
+          </p:cNvPr>
+          <p:cNvSpPr>
+            <a:spLocks noGrp="1"/>
+          </p:cNvSpPr>
+          <p:nvPr>
+            <p:ph idx="1"/>
           </p:nvPr>
         </p:nvSpPr>
         <p:spPr/>
@@ -8984,122 +8220,39 @@
           <a:lstStyle/>
           <a:p>
             <a:r>
+              <a:rPr lang="en-US" dirty="0">
+                <a:hlinkClick r:id="rId2"/>
+              </a:rPr>
+              <a:t>http://nlp.sust.edu/</a:t>
+            </a:r>
+            <a:endParaRPr lang="en-US" dirty="0"/>
+          </a:p>
+          <a:p>
+            <a:endParaRPr lang="en-US" dirty="0"/>
+          </a:p>
+          <a:p>
+            <a:pPr marL="0" indent="0">
+              <a:buNone/>
+            </a:pPr>
+            <a:r>
               <a:rPr lang="en-US" dirty="0"/>
-              <a:t>User Panel</a:t>
-            </a:r>
-          </a:p>
-          <a:p>
+              <a:t>But Unfortunately, there is a DNS problem on this subdomain.  </a:t>
+            </a:r>
+          </a:p>
+          <a:p>
+            <a:pPr marL="0" indent="0">
+              <a:buNone/>
+            </a:pPr>
             <a:r>
               <a:rPr lang="en-US" dirty="0"/>
-              <a:t>Upcoming Events</a:t>
-            </a:r>
-          </a:p>
-          <a:p>
-            <a:r>
-              <a:rPr lang="en-US" dirty="0"/>
-              <a:t>Latest News</a:t>
-            </a:r>
-          </a:p>
-          <a:p>
-            <a:r>
-              <a:rPr lang="en-US" dirty="0"/>
-              <a:t>Research/ software Area</a:t>
-            </a:r>
-          </a:p>
-          <a:p>
-            <a:r>
-              <a:rPr lang="en-US" dirty="0"/>
-              <a:t>Current Research</a:t>
-            </a:r>
-          </a:p>
-          <a:p>
-            <a:r>
-              <a:rPr lang="en-US" dirty="0"/>
-              <a:t>Competition/Award</a:t>
-            </a:r>
-          </a:p>
-          <a:p>
-            <a:r>
-              <a:rPr lang="en-US" dirty="0"/>
-              <a:t>Projects</a:t>
-            </a:r>
-          </a:p>
-          <a:p>
-            <a:r>
-              <a:rPr lang="en-US" dirty="0"/>
-              <a:t>Research Paper</a:t>
-            </a:r>
-          </a:p>
-          <a:p>
-            <a:pPr marL="0" indent="0">
-              <a:buNone/>
-            </a:pPr>
-            <a:endParaRPr lang="en-US" dirty="0"/>
-          </a:p>
-        </p:txBody>
-      </p:sp>
-      <p:sp>
-        <p:nvSpPr>
-          <p:cNvPr id="4" name="Content Placeholder 3"/>
-          <p:cNvSpPr>
-            <a:spLocks noGrp="1"/>
-          </p:cNvSpPr>
-          <p:nvPr>
-            <p:ph sz="half" idx="2"/>
-          </p:nvPr>
-        </p:nvSpPr>
-        <p:spPr>
-          <a:xfrm>
-            <a:off x="6903076" y="2133600"/>
-            <a:ext cx="4313864" cy="3777622"/>
-          </a:xfrm>
-        </p:spPr>
-        <p:txBody>
-          <a:bodyPr/>
-          <a:lstStyle/>
-          <a:p>
-            <a:r>
-              <a:rPr lang="en-US" dirty="0"/>
-              <a:t>Blog</a:t>
-            </a:r>
-          </a:p>
-          <a:p>
-            <a:r>
-              <a:rPr lang="en-US" dirty="0"/>
-              <a:t>Research Students</a:t>
-            </a:r>
-          </a:p>
-          <a:p>
-            <a:r>
-              <a:rPr lang="en-US" dirty="0"/>
-              <a:t>Research Supervisors</a:t>
-            </a:r>
-          </a:p>
-          <a:p>
-            <a:r>
-              <a:rPr lang="en-US" dirty="0"/>
-              <a:t>Apply System</a:t>
-            </a:r>
-          </a:p>
-          <a:p>
-            <a:r>
-              <a:rPr lang="en-US" dirty="0"/>
-              <a:t>Others lab site link</a:t>
-            </a:r>
-          </a:p>
-          <a:p>
-            <a:r>
-              <a:rPr lang="en-US" dirty="0"/>
-              <a:t>Contest System </a:t>
-            </a:r>
-          </a:p>
-          <a:p>
-            <a:endParaRPr lang="en-US" dirty="0"/>
-          </a:p>
-          <a:p>
-            <a:endParaRPr lang="en-US" dirty="0"/>
-          </a:p>
-          <a:p>
+              <a:t>That’s Why we can’t visit it from outside the Campus. </a:t>
+            </a:r>
+            <a:r>
+              <a:rPr lang="en-US" dirty="0">
+                <a:sym typeface="Wingdings" panose="05000000000000000000" pitchFamily="2" charset="2"/>
+              </a:rPr>
+              <a:t> </a:t>
+            </a:r>
             <a:endParaRPr lang="en-US" dirty="0"/>
           </a:p>
         </p:txBody>
@@ -9107,7 +8260,7 @@
     </p:spTree>
     <p:extLst>
       <p:ext uri="{BB962C8B-B14F-4D97-AF65-F5344CB8AC3E}">
-        <p14:creationId xmlns:p14="http://schemas.microsoft.com/office/powerpoint/2010/main" val="927372322"/>
+        <p14:creationId xmlns:p14="http://schemas.microsoft.com/office/powerpoint/2010/main" val="1346144703"/>
       </p:ext>
     </p:extLst>
   </p:cSld>
@@ -9146,8 +8299,8 @@
         </p:nvSpPr>
         <p:spPr>
           <a:xfrm>
-            <a:off x="1981201" y="721092"/>
-            <a:ext cx="9717376" cy="1280890"/>
+            <a:off x="2108016" y="2813128"/>
+            <a:ext cx="8911687" cy="1280890"/>
           </a:xfrm>
         </p:spPr>
         <p:txBody>
@@ -9155,68 +8308,12 @@
           <a:lstStyle/>
           <a:p>
             <a:r>
-              <a:rPr lang="en-US" b="1" dirty="0">
-                <a:solidFill>
-                  <a:schemeClr val="tx1">
-                    <a:lumMod val="65000"/>
-                    <a:lumOff val="35000"/>
-                  </a:schemeClr>
-                </a:solidFill>
-              </a:rPr>
-              <a:t>User Panel</a:t>
-            </a:r>
-          </a:p>
-        </p:txBody>
-      </p:sp>
-      <p:sp>
-        <p:nvSpPr>
-          <p:cNvPr id="3" name="Content Placeholder 2"/>
-          <p:cNvSpPr>
-            <a:spLocks noGrp="1"/>
-          </p:cNvSpPr>
-          <p:nvPr>
-            <p:ph idx="1"/>
-          </p:nvPr>
-        </p:nvSpPr>
-        <p:spPr>
-          <a:xfrm>
-            <a:off x="2589212" y="2001982"/>
-            <a:ext cx="8915400" cy="3777622"/>
-          </a:xfrm>
-        </p:spPr>
-        <p:txBody>
-          <a:bodyPr>
-            <a:normAutofit/>
-          </a:bodyPr>
-          <a:lstStyle/>
-          <a:p>
-            <a:r>
-              <a:rPr lang="en-US" sz="2800" dirty="0"/>
-              <a:t>User login panel.</a:t>
-            </a:r>
-          </a:p>
-          <a:p>
-            <a:r>
-              <a:rPr lang="en-US" sz="2800" dirty="0"/>
-              <a:t>User Profile.</a:t>
-            </a:r>
-          </a:p>
-          <a:p>
-            <a:r>
-              <a:rPr lang="en-US" sz="2800" dirty="0"/>
-              <a:t>User projects.</a:t>
-            </a:r>
-          </a:p>
-          <a:p>
-            <a:r>
-              <a:rPr lang="en-US" sz="2800" dirty="0"/>
-              <a:t>User Research area.</a:t>
-            </a:r>
-          </a:p>
-          <a:p>
-            <a:r>
-              <a:rPr lang="en-US" sz="2800" dirty="0"/>
-              <a:t>User Current Projects.</a:t>
+              <a:rPr lang="en-US" dirty="0"/>
+              <a:t>						</a:t>
+            </a:r>
+            <a:r>
+              <a:rPr lang="en-US" b="1" dirty="0"/>
+              <a:t>Thank You </a:t>
             </a:r>
           </a:p>
         </p:txBody>
@@ -9224,373 +8321,7 @@
     </p:spTree>
     <p:extLst>
       <p:ext uri="{BB962C8B-B14F-4D97-AF65-F5344CB8AC3E}">
-        <p14:creationId xmlns:p14="http://schemas.microsoft.com/office/powerpoint/2010/main" val="4267445583"/>
-      </p:ext>
-    </p:extLst>
-  </p:cSld>
-  <p:clrMapOvr>
-    <a:masterClrMapping/>
-  </p:clrMapOvr>
-</p:sld>
-</file>
-
-<file path=ppt/slides/slide6.xml><?xml version="1.0" encoding="utf-8"?>
-<p:sld xmlns:a="http://schemas.openxmlformats.org/drawingml/2006/main" xmlns:r="http://schemas.openxmlformats.org/officeDocument/2006/relationships" xmlns:p="http://schemas.openxmlformats.org/presentationml/2006/main">
-  <p:cSld>
-    <p:spTree>
-      <p:nvGrpSpPr>
-        <p:cNvPr id="1" name=""/>
-        <p:cNvGrpSpPr/>
-        <p:nvPr/>
-      </p:nvGrpSpPr>
-      <p:grpSpPr>
-        <a:xfrm>
-          <a:off x="0" y="0"/>
-          <a:ext cx="0" cy="0"/>
-          <a:chOff x="0" y="0"/>
-          <a:chExt cx="0" cy="0"/>
-        </a:xfrm>
-      </p:grpSpPr>
-      <p:sp>
-        <p:nvSpPr>
-          <p:cNvPr id="2" name="Title 1"/>
-          <p:cNvSpPr>
-            <a:spLocks noGrp="1"/>
-          </p:cNvSpPr>
-          <p:nvPr>
-            <p:ph type="title"/>
-          </p:nvPr>
-        </p:nvSpPr>
-        <p:spPr>
-          <a:xfrm>
-            <a:off x="1814945" y="624110"/>
-            <a:ext cx="9689667" cy="1280890"/>
-          </a:xfrm>
-        </p:spPr>
-        <p:txBody>
-          <a:bodyPr/>
-          <a:lstStyle/>
-          <a:p>
-            <a:r>
-              <a:rPr lang="en-US" b="1" dirty="0">
-                <a:solidFill>
-                  <a:schemeClr val="tx1">
-                    <a:lumMod val="65000"/>
-                    <a:lumOff val="35000"/>
-                  </a:schemeClr>
-                </a:solidFill>
-              </a:rPr>
-              <a:t>Upcoming Events</a:t>
-            </a:r>
-            <a:br>
-              <a:rPr lang="en-US" dirty="0"/>
-            </a:br>
-            <a:endParaRPr lang="en-US" dirty="0"/>
-          </a:p>
-        </p:txBody>
-      </p:sp>
-      <p:pic>
-        <p:nvPicPr>
-          <p:cNvPr id="4" name="Content Placeholder 3"/>
-          <p:cNvPicPr>
-            <a:picLocks noGrp="1" noChangeAspect="1"/>
-          </p:cNvPicPr>
-          <p:nvPr>
-            <p:ph idx="1"/>
-          </p:nvPr>
-        </p:nvPicPr>
-        <p:blipFill>
-          <a:blip r:embed="rId2"/>
-          <a:stretch>
-            <a:fillRect/>
-          </a:stretch>
-        </p:blipFill>
-        <p:spPr>
-          <a:xfrm>
-            <a:off x="3264396" y="1708150"/>
-            <a:ext cx="6475350" cy="3714750"/>
-          </a:xfrm>
-        </p:spPr>
-      </p:pic>
-    </p:spTree>
-    <p:extLst>
-      <p:ext uri="{BB962C8B-B14F-4D97-AF65-F5344CB8AC3E}">
-        <p14:creationId xmlns:p14="http://schemas.microsoft.com/office/powerpoint/2010/main" val="441418735"/>
-      </p:ext>
-    </p:extLst>
-  </p:cSld>
-  <p:clrMapOvr>
-    <a:masterClrMapping/>
-  </p:clrMapOvr>
-</p:sld>
-</file>
-
-<file path=ppt/slides/slide7.xml><?xml version="1.0" encoding="utf-8"?>
-<p:sld xmlns:a="http://schemas.openxmlformats.org/drawingml/2006/main" xmlns:r="http://schemas.openxmlformats.org/officeDocument/2006/relationships" xmlns:p="http://schemas.openxmlformats.org/presentationml/2006/main">
-  <p:cSld>
-    <p:spTree>
-      <p:nvGrpSpPr>
-        <p:cNvPr id="1" name=""/>
-        <p:cNvGrpSpPr/>
-        <p:nvPr/>
-      </p:nvGrpSpPr>
-      <p:grpSpPr>
-        <a:xfrm>
-          <a:off x="0" y="0"/>
-          <a:ext cx="0" cy="0"/>
-          <a:chOff x="0" y="0"/>
-          <a:chExt cx="0" cy="0"/>
-        </a:xfrm>
-      </p:grpSpPr>
-      <p:sp>
-        <p:nvSpPr>
-          <p:cNvPr id="2" name="Title 1"/>
-          <p:cNvSpPr>
-            <a:spLocks noGrp="1"/>
-          </p:cNvSpPr>
-          <p:nvPr>
-            <p:ph type="title"/>
-          </p:nvPr>
-        </p:nvSpPr>
-        <p:spPr/>
-        <p:txBody>
-          <a:bodyPr/>
-          <a:lstStyle/>
-          <a:p>
-            <a:r>
-              <a:rPr lang="en-US" b="1" dirty="0">
-                <a:solidFill>
-                  <a:schemeClr val="accent2">
-                    <a:lumMod val="75000"/>
-                  </a:schemeClr>
-                </a:solidFill>
-              </a:rPr>
-              <a:t>News</a:t>
-            </a:r>
-          </a:p>
-        </p:txBody>
-      </p:sp>
-      <p:pic>
-        <p:nvPicPr>
-          <p:cNvPr id="4" name="Content Placeholder 3"/>
-          <p:cNvPicPr>
-            <a:picLocks noGrp="1" noChangeAspect="1"/>
-          </p:cNvPicPr>
-          <p:nvPr>
-            <p:ph idx="1"/>
-          </p:nvPr>
-        </p:nvPicPr>
-        <p:blipFill>
-          <a:blip r:embed="rId2"/>
-          <a:stretch>
-            <a:fillRect/>
-          </a:stretch>
-        </p:blipFill>
-        <p:spPr>
-          <a:xfrm>
-            <a:off x="2774895" y="1759527"/>
-            <a:ext cx="7257453" cy="4079752"/>
-          </a:xfrm>
-        </p:spPr>
-      </p:pic>
-    </p:spTree>
-    <p:extLst>
-      <p:ext uri="{BB962C8B-B14F-4D97-AF65-F5344CB8AC3E}">
-        <p14:creationId xmlns:p14="http://schemas.microsoft.com/office/powerpoint/2010/main" val="832951391"/>
-      </p:ext>
-    </p:extLst>
-  </p:cSld>
-  <p:clrMapOvr>
-    <a:masterClrMapping/>
-  </p:clrMapOvr>
-</p:sld>
-</file>
-
-<file path=ppt/slides/slide8.xml><?xml version="1.0" encoding="utf-8"?>
-<p:sld xmlns:a="http://schemas.openxmlformats.org/drawingml/2006/main" xmlns:r="http://schemas.openxmlformats.org/officeDocument/2006/relationships" xmlns:p="http://schemas.openxmlformats.org/presentationml/2006/main">
-  <p:cSld>
-    <p:spTree>
-      <p:nvGrpSpPr>
-        <p:cNvPr id="1" name=""/>
-        <p:cNvGrpSpPr/>
-        <p:nvPr/>
-      </p:nvGrpSpPr>
-      <p:grpSpPr>
-        <a:xfrm>
-          <a:off x="0" y="0"/>
-          <a:ext cx="0" cy="0"/>
-          <a:chOff x="0" y="0"/>
-          <a:chExt cx="0" cy="0"/>
-        </a:xfrm>
-      </p:grpSpPr>
-      <p:sp>
-        <p:nvSpPr>
-          <p:cNvPr id="2" name="Title 1"/>
-          <p:cNvSpPr>
-            <a:spLocks noGrp="1"/>
-          </p:cNvSpPr>
-          <p:nvPr>
-            <p:ph type="title"/>
-          </p:nvPr>
-        </p:nvSpPr>
-        <p:spPr/>
-        <p:txBody>
-          <a:bodyPr/>
-          <a:lstStyle/>
-          <a:p>
-            <a:r>
-              <a:rPr lang="en-US" b="1" dirty="0"/>
-              <a:t>Lab Members</a:t>
-            </a:r>
-          </a:p>
-        </p:txBody>
-      </p:sp>
-      <p:sp>
-        <p:nvSpPr>
-          <p:cNvPr id="3" name="Content Placeholder 2"/>
-          <p:cNvSpPr>
-            <a:spLocks noGrp="1"/>
-          </p:cNvSpPr>
-          <p:nvPr>
-            <p:ph idx="1"/>
-          </p:nvPr>
-        </p:nvSpPr>
-        <p:spPr/>
-        <p:txBody>
-          <a:bodyPr>
-            <a:normAutofit/>
-          </a:bodyPr>
-          <a:lstStyle/>
-          <a:p>
-            <a:r>
-              <a:rPr lang="en-US" sz="2800" dirty="0"/>
-              <a:t>Member List</a:t>
-            </a:r>
-          </a:p>
-          <a:p>
-            <a:r>
-              <a:rPr lang="en-US" sz="2800" dirty="0"/>
-              <a:t>Clickable Profile</a:t>
-            </a:r>
-          </a:p>
-          <a:p>
-            <a:r>
-              <a:rPr lang="en-US" sz="2800" dirty="0"/>
-              <a:t>Membership Duration</a:t>
-            </a:r>
-          </a:p>
-          <a:p>
-            <a:r>
-              <a:rPr lang="en-US" sz="2800" dirty="0"/>
-              <a:t>Contribute</a:t>
-            </a:r>
-          </a:p>
-        </p:txBody>
-      </p:sp>
-    </p:spTree>
-    <p:extLst>
-      <p:ext uri="{BB962C8B-B14F-4D97-AF65-F5344CB8AC3E}">
-        <p14:creationId xmlns:p14="http://schemas.microsoft.com/office/powerpoint/2010/main" val="3892330184"/>
-      </p:ext>
-    </p:extLst>
-  </p:cSld>
-  <p:clrMapOvr>
-    <a:masterClrMapping/>
-  </p:clrMapOvr>
-</p:sld>
-</file>
-
-<file path=ppt/slides/slide9.xml><?xml version="1.0" encoding="utf-8"?>
-<p:sld xmlns:a="http://schemas.openxmlformats.org/drawingml/2006/main" xmlns:r="http://schemas.openxmlformats.org/officeDocument/2006/relationships" xmlns:p="http://schemas.openxmlformats.org/presentationml/2006/main">
-  <p:cSld>
-    <p:spTree>
-      <p:nvGrpSpPr>
-        <p:cNvPr id="1" name=""/>
-        <p:cNvGrpSpPr/>
-        <p:nvPr/>
-      </p:nvGrpSpPr>
-      <p:grpSpPr>
-        <a:xfrm>
-          <a:off x="0" y="0"/>
-          <a:ext cx="0" cy="0"/>
-          <a:chOff x="0" y="0"/>
-          <a:chExt cx="0" cy="0"/>
-        </a:xfrm>
-      </p:grpSpPr>
-      <p:sp>
-        <p:nvSpPr>
-          <p:cNvPr id="2" name="Title 1"/>
-          <p:cNvSpPr>
-            <a:spLocks noGrp="1"/>
-          </p:cNvSpPr>
-          <p:nvPr>
-            <p:ph type="title"/>
-          </p:nvPr>
-        </p:nvSpPr>
-        <p:spPr>
-          <a:xfrm>
-            <a:off x="1898073" y="624110"/>
-            <a:ext cx="9606539" cy="1280890"/>
-          </a:xfrm>
-        </p:spPr>
-        <p:txBody>
-          <a:bodyPr/>
-          <a:lstStyle/>
-          <a:p>
-            <a:r>
-              <a:rPr lang="en-US" dirty="0"/>
-              <a:t>Lab Supervisors(Teachers)</a:t>
-            </a:r>
-          </a:p>
-        </p:txBody>
-      </p:sp>
-      <p:sp>
-        <p:nvSpPr>
-          <p:cNvPr id="3" name="Content Placeholder 2"/>
-          <p:cNvSpPr>
-            <a:spLocks noGrp="1"/>
-          </p:cNvSpPr>
-          <p:nvPr>
-            <p:ph idx="1"/>
-          </p:nvPr>
-        </p:nvSpPr>
-        <p:spPr/>
-        <p:txBody>
-          <a:bodyPr/>
-          <a:lstStyle/>
-          <a:p>
-            <a:r>
-              <a:rPr lang="en-US" dirty="0"/>
-              <a:t>Supervisor List/Teachers List</a:t>
-            </a:r>
-          </a:p>
-          <a:p>
-            <a:r>
-              <a:rPr lang="en-US" dirty="0"/>
-              <a:t>Profile</a:t>
-            </a:r>
-          </a:p>
-          <a:p>
-            <a:r>
-              <a:rPr lang="en-US" dirty="0"/>
-              <a:t>Work</a:t>
-            </a:r>
-          </a:p>
-          <a:p>
-            <a:r>
-              <a:rPr lang="en-US" dirty="0"/>
-              <a:t>Current project</a:t>
-            </a:r>
-          </a:p>
-          <a:p>
-            <a:endParaRPr lang="en-US" dirty="0"/>
-          </a:p>
-        </p:txBody>
-      </p:sp>
-    </p:spTree>
-    <p:extLst>
-      <p:ext uri="{BB962C8B-B14F-4D97-AF65-F5344CB8AC3E}">
-        <p14:creationId xmlns:p14="http://schemas.microsoft.com/office/powerpoint/2010/main" val="3028518946"/>
+        <p14:creationId xmlns:p14="http://schemas.microsoft.com/office/powerpoint/2010/main" val="2100924579"/>
       </p:ext>
     </p:extLst>
   </p:cSld>
